--- a/In Context Presentation.pptx
+++ b/In Context Presentation.pptx
@@ -10599,15 +10599,21 @@
           <a:lstStyle/>
           <a:p>
             <a:r>
-              <a:rPr lang="en-US" dirty="0"/>
+              <a:rPr lang="en-US" dirty="0">
+                <a:hlinkClick r:id="rId2"/>
+              </a:rPr>
               <a:t>Python</a:t>
             </a:r>
+            <a:endParaRPr lang="en-US" dirty="0"/>
           </a:p>
           <a:p>
             <a:r>
-              <a:rPr lang="en-US" dirty="0"/>
+              <a:rPr lang="en-US" dirty="0">
+                <a:hlinkClick r:id="rId3"/>
+              </a:rPr>
               <a:t>R</a:t>
             </a:r>
+            <a:endParaRPr lang="en-US" dirty="0"/>
           </a:p>
         </p:txBody>
       </p:sp>
@@ -12071,13 +12077,8 @@
             <a:pPr lvl="1"/>
             <a:r>
               <a:rPr lang="en-US" sz="2000" dirty="0"/>
-              <a:t>I also can integrate more technology in the </a:t>
+              <a:t>I also can integrate more technology in the learning process…</a:t>
             </a:r>
-            <a:r>
-              <a:rPr lang="en-US" sz="2000"/>
-              <a:t>learning process…</a:t>
-            </a:r>
-            <a:endParaRPr lang="en-US" sz="2000" dirty="0"/>
           </a:p>
         </p:txBody>
       </p:sp>
